--- a/Apresentacao-Presentation.pptx
+++ b/Apresentacao-Presentation.pptx
@@ -355,7 +355,7 @@
           <a:p>
             <a:fld id="{05777D47-E1FD-4B20-845A-7930E08D57BF}" type="datetimeFigureOut">
               <a:rPr lang="pt-BR" smtClean="0"/>
-              <a:t>24/10/2023</a:t>
+              <a:t>27/10/2023</a:t>
             </a:fld>
             <a:endParaRPr lang="pt-BR"/>
           </a:p>
@@ -563,7 +563,7 @@
           <a:p>
             <a:fld id="{05777D47-E1FD-4B20-845A-7930E08D57BF}" type="datetimeFigureOut">
               <a:rPr lang="pt-BR" smtClean="0"/>
-              <a:t>24/10/2023</a:t>
+              <a:t>27/10/2023</a:t>
             </a:fld>
             <a:endParaRPr lang="pt-BR"/>
           </a:p>
@@ -819,7 +819,7 @@
           <a:p>
             <a:fld id="{05777D47-E1FD-4B20-845A-7930E08D57BF}" type="datetimeFigureOut">
               <a:rPr lang="pt-BR" smtClean="0"/>
-              <a:t>24/10/2023</a:t>
+              <a:t>27/10/2023</a:t>
             </a:fld>
             <a:endParaRPr lang="pt-BR"/>
           </a:p>
@@ -989,7 +989,7 @@
           <a:p>
             <a:fld id="{05777D47-E1FD-4B20-845A-7930E08D57BF}" type="datetimeFigureOut">
               <a:rPr lang="pt-BR" smtClean="0"/>
-              <a:t>24/10/2023</a:t>
+              <a:t>27/10/2023</a:t>
             </a:fld>
             <a:endParaRPr lang="pt-BR"/>
           </a:p>
@@ -1332,7 +1332,7 @@
           <a:p>
             <a:fld id="{05777D47-E1FD-4B20-845A-7930E08D57BF}" type="datetimeFigureOut">
               <a:rPr lang="pt-BR" smtClean="0"/>
-              <a:t>24/10/2023</a:t>
+              <a:t>27/10/2023</a:t>
             </a:fld>
             <a:endParaRPr lang="pt-BR"/>
           </a:p>
@@ -1607,7 +1607,7 @@
           <a:p>
             <a:fld id="{05777D47-E1FD-4B20-845A-7930E08D57BF}" type="datetimeFigureOut">
               <a:rPr lang="pt-BR" smtClean="0"/>
-              <a:t>24/10/2023</a:t>
+              <a:t>27/10/2023</a:t>
             </a:fld>
             <a:endParaRPr lang="pt-BR"/>
           </a:p>
@@ -1986,7 +1986,7 @@
           <a:p>
             <a:fld id="{05777D47-E1FD-4B20-845A-7930E08D57BF}" type="datetimeFigureOut">
               <a:rPr lang="pt-BR" smtClean="0"/>
-              <a:t>24/10/2023</a:t>
+              <a:t>27/10/2023</a:t>
             </a:fld>
             <a:endParaRPr lang="pt-BR"/>
           </a:p>
@@ -2104,7 +2104,7 @@
           <a:p>
             <a:fld id="{05777D47-E1FD-4B20-845A-7930E08D57BF}" type="datetimeFigureOut">
               <a:rPr lang="pt-BR" smtClean="0"/>
-              <a:t>24/10/2023</a:t>
+              <a:t>27/10/2023</a:t>
             </a:fld>
             <a:endParaRPr lang="pt-BR"/>
           </a:p>
@@ -2275,7 +2275,7 @@
           <a:p>
             <a:fld id="{05777D47-E1FD-4B20-845A-7930E08D57BF}" type="datetimeFigureOut">
               <a:rPr lang="pt-BR" smtClean="0"/>
-              <a:t>24/10/2023</a:t>
+              <a:t>27/10/2023</a:t>
             </a:fld>
             <a:endParaRPr lang="pt-BR"/>
           </a:p>
@@ -2629,7 +2629,7 @@
           <a:p>
             <a:fld id="{05777D47-E1FD-4B20-845A-7930E08D57BF}" type="datetimeFigureOut">
               <a:rPr lang="pt-BR" smtClean="0"/>
-              <a:t>24/10/2023</a:t>
+              <a:t>27/10/2023</a:t>
             </a:fld>
             <a:endParaRPr lang="pt-BR"/>
           </a:p>
@@ -3006,7 +3006,7 @@
           <a:p>
             <a:fld id="{05777D47-E1FD-4B20-845A-7930E08D57BF}" type="datetimeFigureOut">
               <a:rPr lang="pt-BR" smtClean="0"/>
-              <a:t>24/10/2023</a:t>
+              <a:t>27/10/2023</a:t>
             </a:fld>
             <a:endParaRPr lang="pt-BR"/>
           </a:p>
@@ -3293,7 +3293,7 @@
           <a:p>
             <a:fld id="{05777D47-E1FD-4B20-845A-7930E08D57BF}" type="datetimeFigureOut">
               <a:rPr lang="pt-BR" smtClean="0"/>
-              <a:t>24/10/2023</a:t>
+              <a:t>27/10/2023</a:t>
             </a:fld>
             <a:endParaRPr lang="pt-BR"/>
           </a:p>
@@ -4497,8 +4497,8 @@
         </p:nvSpPr>
         <p:spPr>
           <a:xfrm>
-            <a:off x="1125415" y="1443841"/>
-            <a:ext cx="9917723" cy="3970318"/>
+            <a:off x="1137138" y="2400444"/>
+            <a:ext cx="9917723" cy="3323987"/>
           </a:xfrm>
           <a:prstGeom prst="rect">
             <a:avLst/>
@@ -4512,7 +4512,7 @@
           <a:lstStyle/>
           <a:p>
             <a:r>
-              <a:rPr lang="pt-BR" sz="3600" b="1" dirty="0" err="1">
+              <a:rPr lang="pt-BR" sz="3000" b="1" dirty="0" err="1">
                 <a:solidFill>
                   <a:schemeClr val="tx1">
                     <a:lumMod val="75000"/>
@@ -4523,7 +4523,7 @@
               <a:t>Unicorn</a:t>
             </a:r>
             <a:r>
-              <a:rPr lang="pt-BR" sz="3600" b="1" dirty="0">
+              <a:rPr lang="pt-BR" sz="3000" b="1" dirty="0">
                 <a:solidFill>
                   <a:schemeClr val="tx1">
                     <a:lumMod val="75000"/>
@@ -4534,7 +4534,7 @@
               <a:t> </a:t>
             </a:r>
             <a:r>
-              <a:rPr lang="pt-BR" sz="3600" b="1" dirty="0" err="1">
+              <a:rPr lang="pt-BR" sz="3000" b="1" dirty="0" err="1">
                 <a:solidFill>
                   <a:schemeClr val="tx1">
                     <a:lumMod val="75000"/>
@@ -4545,7 +4545,7 @@
               <a:t>Companies</a:t>
             </a:r>
             <a:r>
-              <a:rPr lang="pt-BR" sz="3600" b="1" dirty="0">
+              <a:rPr lang="pt-BR" sz="3000" b="1" dirty="0">
                 <a:solidFill>
                   <a:schemeClr val="tx1">
                     <a:lumMod val="75000"/>
@@ -4556,7 +4556,7 @@
               <a:t> </a:t>
             </a:r>
             <a:r>
-              <a:rPr lang="pt-BR" sz="3600" b="1" dirty="0" err="1">
+              <a:rPr lang="pt-BR" sz="3000" b="1" dirty="0" err="1">
                 <a:solidFill>
                   <a:schemeClr val="tx1">
                     <a:lumMod val="75000"/>
@@ -4566,7 +4566,7 @@
               </a:rPr>
               <a:t>Analysis</a:t>
             </a:r>
-            <a:endParaRPr lang="pt-BR" sz="3600" b="1" dirty="0">
+            <a:endParaRPr lang="pt-BR" sz="3000" b="1" dirty="0">
               <a:solidFill>
                 <a:schemeClr val="tx1">
                   <a:lumMod val="75000"/>
@@ -4594,7 +4594,7 @@
               <a:buChar char="Ø"/>
             </a:pPr>
             <a:r>
-              <a:rPr lang="pt-BR" sz="3200" b="1" dirty="0" err="1">
+              <a:rPr lang="pt-BR" sz="2500" b="1" dirty="0" err="1">
                 <a:solidFill>
                   <a:schemeClr val="accent1">
                     <a:lumMod val="75000"/>
@@ -4610,7 +4610,7 @@
               </a:rPr>
               <a:t>Objective</a:t>
             </a:r>
-            <a:endParaRPr lang="pt-BR" sz="3200" b="1" dirty="0">
+            <a:endParaRPr lang="pt-BR" sz="2500" b="1" dirty="0">
               <a:solidFill>
                 <a:schemeClr val="accent1">
                   <a:lumMod val="75000"/>
@@ -4627,7 +4627,7 @@
               <a:buChar char="Ø"/>
             </a:pPr>
             <a:r>
-              <a:rPr lang="pt-BR" sz="3200" b="1" dirty="0" err="1">
+              <a:rPr lang="pt-BR" sz="2500" b="1" dirty="0" err="1">
                 <a:solidFill>
                   <a:schemeClr val="accent1">
                     <a:lumMod val="75000"/>
@@ -4644,7 +4644,7 @@
               <a:t>Industry</a:t>
             </a:r>
             <a:r>
-              <a:rPr lang="pt-BR" sz="3200" b="1" dirty="0">
+              <a:rPr lang="pt-BR" sz="2500" b="1" dirty="0">
                 <a:solidFill>
                   <a:schemeClr val="accent1">
                     <a:lumMod val="75000"/>
@@ -4661,7 +4661,7 @@
               <a:t> </a:t>
             </a:r>
             <a:r>
-              <a:rPr lang="pt-BR" sz="3200" b="1" dirty="0" err="1">
+              <a:rPr lang="pt-BR" sz="2500" b="1" dirty="0" err="1">
                 <a:solidFill>
                   <a:schemeClr val="accent1">
                     <a:lumMod val="75000"/>
@@ -4677,7 +4677,7 @@
               </a:rPr>
               <a:t>Analysis</a:t>
             </a:r>
-            <a:endParaRPr lang="pt-BR" sz="3200" b="1" dirty="0">
+            <a:endParaRPr lang="pt-BR" sz="2500" b="1" dirty="0">
               <a:solidFill>
                 <a:schemeClr val="accent1">
                   <a:lumMod val="75000"/>
@@ -4694,7 +4694,7 @@
               <a:buChar char="Ø"/>
             </a:pPr>
             <a:r>
-              <a:rPr lang="pt-BR" sz="3200" b="1" dirty="0">
+              <a:rPr lang="pt-BR" sz="2500" b="1" dirty="0">
                 <a:solidFill>
                   <a:schemeClr val="accent1">
                     <a:lumMod val="75000"/>
@@ -4711,7 +4711,7 @@
               <a:t>TOP 10 </a:t>
             </a:r>
             <a:r>
-              <a:rPr lang="pt-BR" sz="3200" b="1" dirty="0" err="1">
+              <a:rPr lang="pt-BR" sz="2500" b="1" dirty="0" err="1">
                 <a:solidFill>
                   <a:schemeClr val="accent1">
                     <a:lumMod val="75000"/>
@@ -4728,7 +4728,7 @@
               <a:t>Unicorns</a:t>
             </a:r>
             <a:r>
-              <a:rPr lang="pt-BR" sz="3200" b="1" dirty="0">
+              <a:rPr lang="pt-BR" sz="2500" b="1" dirty="0">
                 <a:solidFill>
                   <a:schemeClr val="accent1">
                     <a:lumMod val="75000"/>
@@ -4745,7 +4745,7 @@
               <a:t> </a:t>
             </a:r>
             <a:r>
-              <a:rPr lang="pt-BR" sz="3200" b="1" dirty="0" err="1">
+              <a:rPr lang="pt-BR" sz="2500" b="1" dirty="0" err="1">
                 <a:solidFill>
                   <a:schemeClr val="accent1">
                     <a:lumMod val="75000"/>
@@ -4762,7 +4762,7 @@
               <a:t>Generator</a:t>
             </a:r>
             <a:r>
-              <a:rPr lang="pt-BR" sz="3200" b="1" dirty="0">
+              <a:rPr lang="pt-BR" sz="2500" b="1" dirty="0">
                 <a:solidFill>
                   <a:schemeClr val="accent1">
                     <a:lumMod val="75000"/>
@@ -4778,7 +4778,7 @@
               </a:rPr>
               <a:t> Countries</a:t>
             </a:r>
-            <a:endParaRPr lang="pt-BR" sz="3200" b="1" dirty="0">
+            <a:endParaRPr lang="pt-BR" sz="2500" b="1" dirty="0">
               <a:solidFill>
                 <a:schemeClr val="accent1">
                   <a:lumMod val="75000"/>
@@ -4795,7 +4795,7 @@
               <a:buChar char="Ø"/>
             </a:pPr>
             <a:r>
-              <a:rPr lang="pt-BR" sz="3200" b="1" dirty="0">
+              <a:rPr lang="pt-BR" sz="2500" b="1" dirty="0">
                 <a:solidFill>
                   <a:schemeClr val="accent1">
                     <a:lumMod val="75000"/>
@@ -4812,7 +4812,7 @@
               <a:t>Countries </a:t>
             </a:r>
             <a:r>
-              <a:rPr lang="pt-BR" sz="3200" b="1" dirty="0" err="1">
+              <a:rPr lang="pt-BR" sz="2500" b="1" dirty="0" err="1">
                 <a:solidFill>
                   <a:schemeClr val="accent1">
                     <a:lumMod val="75000"/>
@@ -4828,7 +4828,7 @@
               </a:rPr>
               <a:t>Valuation</a:t>
             </a:r>
-            <a:endParaRPr lang="pt-BR" sz="3200" b="1" dirty="0">
+            <a:endParaRPr lang="pt-BR" sz="2500" b="1" dirty="0">
               <a:solidFill>
                 <a:schemeClr val="accent1">
                   <a:lumMod val="75000"/>
@@ -4845,7 +4845,7 @@
               <a:buChar char="Ø"/>
             </a:pPr>
             <a:r>
-              <a:rPr lang="pt-BR" sz="3200" b="1" dirty="0" err="1">
+              <a:rPr lang="pt-BR" sz="2500" b="1" dirty="0" err="1">
                 <a:solidFill>
                   <a:schemeClr val="accent1">
                     <a:lumMod val="75000"/>
@@ -4861,7 +4861,7 @@
               </a:rPr>
               <a:t>Conclusion</a:t>
             </a:r>
-            <a:endParaRPr lang="pt-BR" sz="3200" b="1" dirty="0">
+            <a:endParaRPr lang="pt-BR" sz="2500" b="1" dirty="0">
               <a:solidFill>
                 <a:schemeClr val="accent1">
                   <a:lumMod val="75000"/>
@@ -4878,7 +4878,7 @@
               <a:buChar char="Ø"/>
             </a:pPr>
             <a:r>
-              <a:rPr lang="pt-BR" sz="3200" b="1" dirty="0" err="1">
+              <a:rPr lang="pt-BR" sz="2500" b="1" dirty="0">
                 <a:solidFill>
                   <a:schemeClr val="accent1">
                     <a:lumMod val="75000"/>
@@ -4892,9 +4892,9 @@
                   </a:extLst>
                 </a:hlinkClick>
               </a:rPr>
-              <a:t>Observation</a:t>
-            </a:r>
-            <a:endParaRPr lang="pt-BR" sz="3200" b="1" dirty="0">
+              <a:t>Note</a:t>
+            </a:r>
+            <a:endParaRPr lang="pt-BR" sz="2500" b="1" dirty="0">
               <a:solidFill>
                 <a:schemeClr val="accent1">
                   <a:lumMod val="75000"/>
@@ -6983,8 +6983,8 @@
         </p:nvSpPr>
         <p:spPr>
           <a:xfrm>
-            <a:off x="351690" y="590840"/>
-            <a:ext cx="2504051" cy="553998"/>
+            <a:off x="351691" y="520505"/>
+            <a:ext cx="1252024" cy="553998"/>
           </a:xfrm>
           <a:prstGeom prst="rect">
             <a:avLst/>
@@ -7006,7 +7006,7 @@
                   </a:schemeClr>
                 </a:solidFill>
               </a:rPr>
-              <a:t>OBSERVATION</a:t>
+              <a:t>NOTE</a:t>
             </a:r>
           </a:p>
         </p:txBody>
